--- a/powerpoint/presentation.pptx
+++ b/powerpoint/presentation.pptx
@@ -5,7 +5,7 @@
     <p:sldMasterId id="2147483648" r:id="rId2"/>
   </p:sldMasterIdLst>
   <p:notesMasterIdLst>
-    <p:notesMasterId r:id="rId24"/>
+    <p:notesMasterId r:id="rId25"/>
   </p:notesMasterIdLst>
   <p:sldIdLst>
     <p:sldId id="256" r:id="rId3"/>
@@ -25,10 +25,11 @@
     <p:sldId id="274" r:id="rId17"/>
     <p:sldId id="275" r:id="rId18"/>
     <p:sldId id="276" r:id="rId19"/>
-    <p:sldId id="277" r:id="rId20"/>
-    <p:sldId id="279" r:id="rId21"/>
-    <p:sldId id="278" r:id="rId22"/>
-    <p:sldId id="280" r:id="rId23"/>
+    <p:sldId id="281" r:id="rId20"/>
+    <p:sldId id="277" r:id="rId21"/>
+    <p:sldId id="279" r:id="rId22"/>
+    <p:sldId id="278" r:id="rId23"/>
+    <p:sldId id="280" r:id="rId24"/>
   </p:sldIdLst>
   <p:sldSz cx="9144000" cy="6858000" type="screen4x3"/>
   <p:notesSz cx="6858000" cy="9144000"/>
@@ -165,6 +166,7 @@
         </p14:section>
         <p14:section name="Datamanagement" id="{0B6416D4-8A82-4F6B-A7A7-DACE5DA45EE5}">
           <p14:sldIdLst>
+            <p14:sldId id="281"/>
             <p14:sldId id="277"/>
             <p14:sldId id="279"/>
             <p14:sldId id="278"/>
@@ -8020,7 +8022,7 @@
           <a:p>
             <a:fld id="{96D8C5D9-3547-4831-8633-BF30DE83A73E}" type="slidenum">
               <a:rPr lang="en-US" smtClean="0"/>
-              <a:t>18</a:t>
+              <a:t>19</a:t>
             </a:fld>
             <a:endParaRPr lang="en-US"/>
           </a:p>
@@ -8126,7 +8128,7 @@
           <a:p>
             <a:fld id="{96D8C5D9-3547-4831-8633-BF30DE83A73E}" type="slidenum">
               <a:rPr lang="en-US" smtClean="0"/>
-              <a:t>19</a:t>
+              <a:t>20</a:t>
             </a:fld>
             <a:endParaRPr lang="en-US"/>
           </a:p>
@@ -11042,219 +11044,14 @@
             <p:ph type="ctrTitle"/>
           </p:nvPr>
         </p:nvSpPr>
-        <p:spPr>
-          <a:xfrm>
-            <a:off x="609600" y="222511"/>
-            <a:ext cx="7772400" cy="1470025"/>
-          </a:xfrm>
-        </p:spPr>
+        <p:spPr/>
         <p:txBody>
           <a:bodyPr/>
           <a:lstStyle/>
           <a:p>
             <a:r>
               <a:rPr lang="en-US" dirty="0" smtClean="0"/>
-              <a:t>Data Management Plan</a:t>
-            </a:r>
-            <a:endParaRPr lang="en-US" dirty="0"/>
-          </a:p>
-        </p:txBody>
-      </p:sp>
-      <p:sp>
-        <p:nvSpPr>
-          <p:cNvPr id="4" name="TextBox 3"/>
-          <p:cNvSpPr txBox="1"/>
-          <p:nvPr/>
-        </p:nvSpPr>
-        <p:spPr>
-          <a:xfrm>
-            <a:off x="381000" y="1600200"/>
-            <a:ext cx="8763000" cy="5078313"/>
-          </a:xfrm>
-          <a:prstGeom prst="rect">
-            <a:avLst/>
-          </a:prstGeom>
-          <a:noFill/>
-        </p:spPr>
-        <p:txBody>
-          <a:bodyPr wrap="square" rtlCol="0">
-            <a:spAutoFit/>
-          </a:bodyPr>
-          <a:lstStyle/>
-          <a:p>
-            <a:r>
-              <a:rPr lang="en-US" dirty="0"/>
-              <a:t>Logical Collections:</a:t>
-            </a:r>
-          </a:p>
-          <a:p>
-            <a:r>
-              <a:rPr lang="en-US" dirty="0"/>
-              <a:t>All datasets are named according to their corresponding data source. The columns of each </a:t>
-            </a:r>
-            <a:r>
-              <a:rPr lang="en-US" dirty="0" smtClean="0"/>
-              <a:t>dataset are </a:t>
-            </a:r>
-            <a:r>
-              <a:rPr lang="en-US" dirty="0"/>
-              <a:t>named to accurately represent the given </a:t>
-            </a:r>
-            <a:r>
-              <a:rPr lang="en-US" dirty="0" smtClean="0"/>
-              <a:t>field</a:t>
-            </a:r>
-            <a:r>
-              <a:rPr lang="en-US" dirty="0"/>
-              <a:t>, with units included in the name where applicable.</a:t>
-            </a:r>
-          </a:p>
-          <a:p>
-            <a:r>
-              <a:rPr lang="en-US" dirty="0"/>
-              <a:t>Each row represents one day's worth of aggregate data for the weather and statistics les, </a:t>
-            </a:r>
-            <a:r>
-              <a:rPr lang="en-US" dirty="0" smtClean="0"/>
-              <a:t>while in </a:t>
-            </a:r>
-            <a:r>
-              <a:rPr lang="en-US" dirty="0"/>
-              <a:t>the raw taxi data each row represents an individual taxi trip.</a:t>
-            </a:r>
-          </a:p>
-          <a:p>
-            <a:endParaRPr lang="en-US" dirty="0"/>
-          </a:p>
-          <a:p>
-            <a:r>
-              <a:rPr lang="en-US" dirty="0" smtClean="0"/>
-              <a:t>Physical </a:t>
-            </a:r>
-            <a:r>
-              <a:rPr lang="en-US" dirty="0"/>
-              <a:t>Data Handling:</a:t>
-            </a:r>
-          </a:p>
-          <a:p>
-            <a:r>
-              <a:rPr lang="en-US" dirty="0"/>
-              <a:t>There were </a:t>
-            </a:r>
-            <a:r>
-              <a:rPr lang="en-US" dirty="0" smtClean="0"/>
-              <a:t>three </a:t>
-            </a:r>
-            <a:r>
-              <a:rPr lang="en-US" dirty="0"/>
-              <a:t>datasets that were utilized for the transportation weather study. </a:t>
-            </a:r>
-            <a:r>
-              <a:rPr lang="en-US" dirty="0" smtClean="0"/>
-              <a:t>Green line and Yellow line data were combined and processed </a:t>
-            </a:r>
-            <a:r>
-              <a:rPr lang="en-US" dirty="0"/>
-              <a:t>through a C++ </a:t>
-            </a:r>
-            <a:r>
-              <a:rPr lang="en-US" dirty="0" smtClean="0"/>
-              <a:t>script. </a:t>
-            </a:r>
-            <a:r>
-              <a:rPr lang="en-US" dirty="0"/>
-              <a:t>Weather </a:t>
-            </a:r>
-            <a:r>
-              <a:rPr lang="en-US" dirty="0" smtClean="0"/>
-              <a:t>was reformatted to accommodate </a:t>
-            </a:r>
-            <a:r>
-              <a:rPr lang="en-US" dirty="0"/>
-              <a:t>for the header structure of each month. </a:t>
-            </a:r>
-            <a:r>
-              <a:rPr lang="en-US" dirty="0" smtClean="0"/>
-              <a:t>Both datasets </a:t>
-            </a:r>
-            <a:r>
-              <a:rPr lang="en-US" dirty="0"/>
-              <a:t>were processed and </a:t>
-            </a:r>
-            <a:r>
-              <a:rPr lang="en-US" dirty="0" smtClean="0"/>
-              <a:t>archived in a CSV with their </a:t>
-            </a:r>
-            <a:r>
-              <a:rPr lang="en-US" dirty="0"/>
-              <a:t>appropriate dataset names.</a:t>
-            </a:r>
-          </a:p>
-          <a:p>
-            <a:endParaRPr lang="en-US" dirty="0"/>
-          </a:p>
-          <a:p>
-            <a:r>
-              <a:rPr lang="en-US" dirty="0" smtClean="0"/>
-              <a:t>Interoperability </a:t>
-            </a:r>
-            <a:r>
-              <a:rPr lang="en-US" dirty="0"/>
-              <a:t>Support:</a:t>
-            </a:r>
-          </a:p>
-          <a:p>
-            <a:r>
-              <a:rPr lang="en-US" dirty="0"/>
-              <a:t>The </a:t>
-            </a:r>
-            <a:r>
-              <a:rPr lang="en-US" dirty="0" smtClean="0"/>
-              <a:t>files </a:t>
-            </a:r>
-            <a:r>
-              <a:rPr lang="en-US" dirty="0"/>
-              <a:t>containing each individual dataset were stored in close proximity using hierarchical </a:t>
-            </a:r>
-            <a:r>
-              <a:rPr lang="en-US" dirty="0" smtClean="0"/>
-              <a:t>file-folder </a:t>
-            </a:r>
-            <a:r>
-              <a:rPr lang="en-US" dirty="0"/>
-              <a:t>layout to enable interoperability. All scripts, python notebooks, and python </a:t>
-            </a:r>
-            <a:r>
-              <a:rPr lang="en-US" dirty="0" smtClean="0"/>
-              <a:t>files could access </a:t>
-            </a:r>
-            <a:r>
-              <a:rPr lang="en-US" dirty="0"/>
-              <a:t>the appropriate dataset </a:t>
-            </a:r>
-            <a:r>
-              <a:rPr lang="en-US" dirty="0" smtClean="0"/>
-              <a:t>files </a:t>
-            </a:r>
-            <a:r>
-              <a:rPr lang="en-US" dirty="0"/>
-              <a:t>with ease due to standardized naming conventions and </a:t>
-            </a:r>
-            <a:r>
-              <a:rPr lang="en-US" dirty="0" smtClean="0"/>
-              <a:t>single storage </a:t>
-            </a:r>
-            <a:r>
-              <a:rPr lang="en-US" dirty="0"/>
-              <a:t>location within a </a:t>
-            </a:r>
-            <a:r>
-              <a:rPr lang="en-US" dirty="0" err="1"/>
-              <a:t>GitHub</a:t>
-            </a:r>
-            <a:r>
-              <a:rPr lang="en-US" dirty="0"/>
-              <a:t> repository. </a:t>
+              <a:t>Data Management and Conclusion</a:t>
             </a:r>
             <a:endParaRPr lang="en-US" dirty="0"/>
           </a:p>
@@ -11263,7 +11060,7 @@
     </p:spTree>
     <p:extLst>
       <p:ext uri="{BB962C8B-B14F-4D97-AF65-F5344CB8AC3E}">
-        <p14:creationId xmlns:p14="http://schemas.microsoft.com/office/powerpoint/2010/main" val="327823102"/>
+        <p14:creationId xmlns:p14="http://schemas.microsoft.com/office/powerpoint/2010/main" val="1730382535"/>
       </p:ext>
     </p:extLst>
   </p:cSld>
@@ -11295,14 +11092,42 @@
       </p:grpSpPr>
       <p:sp>
         <p:nvSpPr>
+          <p:cNvPr id="2" name="Title 1"/>
+          <p:cNvSpPr>
+            <a:spLocks noGrp="1"/>
+          </p:cNvSpPr>
+          <p:nvPr>
+            <p:ph type="ctrTitle"/>
+          </p:nvPr>
+        </p:nvSpPr>
+        <p:spPr>
+          <a:xfrm>
+            <a:off x="609600" y="222511"/>
+            <a:ext cx="7772400" cy="1470025"/>
+          </a:xfrm>
+        </p:spPr>
+        <p:txBody>
+          <a:bodyPr/>
+          <a:lstStyle/>
+          <a:p>
+            <a:r>
+              <a:rPr lang="en-US" dirty="0" smtClean="0"/>
+              <a:t>Data Management Plan</a:t>
+            </a:r>
+            <a:endParaRPr lang="en-US" dirty="0"/>
+          </a:p>
+        </p:txBody>
+      </p:sp>
+      <p:sp>
+        <p:nvSpPr>
           <p:cNvPr id="4" name="TextBox 3"/>
           <p:cNvSpPr txBox="1"/>
           <p:nvPr/>
         </p:nvSpPr>
         <p:spPr>
           <a:xfrm>
-            <a:off x="228600" y="609600"/>
-            <a:ext cx="8763000" cy="5355312"/>
+            <a:off x="381000" y="1600200"/>
+            <a:ext cx="8763000" cy="5078313"/>
           </a:xfrm>
           <a:prstGeom prst="rect">
             <a:avLst/>
@@ -11317,47 +11142,169 @@
           <a:p>
             <a:r>
               <a:rPr lang="en-US" dirty="0"/>
-              <a:t>Security:</a:t>
+              <a:t>Logical Collections:</a:t>
             </a:r>
           </a:p>
           <a:p>
             <a:r>
               <a:rPr lang="en-US" dirty="0"/>
-              <a:t>Datasets were managed and maintained by outside vendors, more </a:t>
-            </a:r>
-            <a:r>
-              <a:rPr lang="en-US" dirty="0" err="1"/>
-              <a:t>specically</a:t>
+              <a:t>All datasets are named according to their corresponding data source. The columns of each </a:t>
+            </a:r>
+            <a:r>
+              <a:rPr lang="en-US" dirty="0" smtClean="0"/>
+              <a:t>dataset are </a:t>
             </a:r>
             <a:r>
               <a:rPr lang="en-US" dirty="0"/>
-              <a:t>, NYC TLC and</a:t>
-            </a:r>
-          </a:p>
-          <a:p>
+              <a:t>named to accurately represent the given </a:t>
+            </a:r>
+            <a:r>
+              <a:rPr lang="en-US" dirty="0" smtClean="0"/>
+              <a:t>field</a:t>
+            </a:r>
             <a:r>
               <a:rPr lang="en-US" dirty="0"/>
-              <a:t>The Weather Company. Data is secured and changed on the NYC government and IBM </a:t>
+              <a:t>, with units included in the name where applicable.</a:t>
+            </a:r>
+          </a:p>
+          <a:p>
+            <a:r>
+              <a:rPr lang="en-US" dirty="0"/>
+              <a:t>Each row represents one day's worth of aggregate data for the weather and statistics les, </a:t>
             </a:r>
             <a:r>
               <a:rPr lang="en-US" dirty="0" smtClean="0"/>
-              <a:t>servers, respectively</a:t>
+              <a:t>while in </a:t>
             </a:r>
             <a:r>
               <a:rPr lang="en-US" dirty="0"/>
-              <a:t>. Data were acquired through an export tool which was processed and stored </a:t>
-            </a:r>
+              <a:t>the raw taxi data each row represents an individual taxi trip.</a:t>
+            </a:r>
+          </a:p>
+          <a:p>
+            <a:endParaRPr lang="en-US" dirty="0"/>
+          </a:p>
+          <a:p>
             <a:r>
               <a:rPr lang="en-US" dirty="0" smtClean="0"/>
-              <a:t>in a</a:t>
+              <a:t>Physical </a:t>
             </a:r>
             <a:r>
               <a:rPr lang="en-US" dirty="0"/>
-              <a:t> </a:t>
+              <a:t>Data Handling:</a:t>
+            </a:r>
+          </a:p>
+          <a:p>
+            <a:r>
+              <a:rPr lang="en-US" dirty="0"/>
+              <a:t>There were </a:t>
             </a:r>
             <a:r>
               <a:rPr lang="en-US" dirty="0" smtClean="0"/>
-              <a:t>secured </a:t>
+              <a:t>three </a:t>
+            </a:r>
+            <a:r>
+              <a:rPr lang="en-US" dirty="0"/>
+              <a:t>datasets that were utilized for the transportation weather study. </a:t>
+            </a:r>
+            <a:r>
+              <a:rPr lang="en-US" dirty="0" smtClean="0"/>
+              <a:t>Green line and Yellow line data were combined and processed </a:t>
+            </a:r>
+            <a:r>
+              <a:rPr lang="en-US" dirty="0"/>
+              <a:t>through a C++ </a:t>
+            </a:r>
+            <a:r>
+              <a:rPr lang="en-US" dirty="0" smtClean="0"/>
+              <a:t>script. </a:t>
+            </a:r>
+            <a:r>
+              <a:rPr lang="en-US" dirty="0"/>
+              <a:t>Weather </a:t>
+            </a:r>
+            <a:r>
+              <a:rPr lang="en-US" dirty="0" smtClean="0"/>
+              <a:t>was reformatted to accommodate </a:t>
+            </a:r>
+            <a:r>
+              <a:rPr lang="en-US" dirty="0"/>
+              <a:t>for the header structure of each month. </a:t>
+            </a:r>
+            <a:r>
+              <a:rPr lang="en-US" dirty="0" smtClean="0"/>
+              <a:t>Both datasets </a:t>
+            </a:r>
+            <a:r>
+              <a:rPr lang="en-US" dirty="0"/>
+              <a:t>were processed and </a:t>
+            </a:r>
+            <a:r>
+              <a:rPr lang="en-US" dirty="0" smtClean="0"/>
+              <a:t>archived in a CSV with their </a:t>
+            </a:r>
+            <a:r>
+              <a:rPr lang="en-US" dirty="0"/>
+              <a:t>appropriate dataset names.</a:t>
+            </a:r>
+          </a:p>
+          <a:p>
+            <a:endParaRPr lang="en-US" dirty="0"/>
+          </a:p>
+          <a:p>
+            <a:r>
+              <a:rPr lang="en-US" dirty="0" smtClean="0"/>
+              <a:t>Interoperability </a:t>
+            </a:r>
+            <a:r>
+              <a:rPr lang="en-US" dirty="0"/>
+              <a:t>Support:</a:t>
+            </a:r>
+          </a:p>
+          <a:p>
+            <a:r>
+              <a:rPr lang="en-US" dirty="0"/>
+              <a:t>The </a:t>
+            </a:r>
+            <a:r>
+              <a:rPr lang="en-US" dirty="0" smtClean="0"/>
+              <a:t>files </a:t>
+            </a:r>
+            <a:r>
+              <a:rPr lang="en-US" dirty="0"/>
+              <a:t>containing each individual dataset were stored in close proximity using hierarchical </a:t>
+            </a:r>
+            <a:r>
+              <a:rPr lang="en-US" dirty="0" smtClean="0"/>
+              <a:t>file-folder </a:t>
+            </a:r>
+            <a:r>
+              <a:rPr lang="en-US" dirty="0"/>
+              <a:t>layout to enable interoperability. All scripts, python notebooks, and python </a:t>
+            </a:r>
+            <a:r>
+              <a:rPr lang="en-US" dirty="0" smtClean="0"/>
+              <a:t>files could access </a:t>
+            </a:r>
+            <a:r>
+              <a:rPr lang="en-US" dirty="0"/>
+              <a:t>the appropriate dataset </a:t>
+            </a:r>
+            <a:r>
+              <a:rPr lang="en-US" dirty="0" smtClean="0"/>
+              <a:t>files </a:t>
+            </a:r>
+            <a:r>
+              <a:rPr lang="en-US" dirty="0"/>
+              <a:t>with ease due to standardized naming conventions and </a:t>
+            </a:r>
+            <a:r>
+              <a:rPr lang="en-US" dirty="0" smtClean="0"/>
+              <a:t>single storage </a:t>
+            </a:r>
+            <a:r>
+              <a:rPr lang="en-US" dirty="0"/>
+              <a:t>location within a </a:t>
             </a:r>
             <a:r>
               <a:rPr lang="en-US" dirty="0" err="1"/>
@@ -11365,149 +11312,7 @@
             </a:r>
             <a:r>
               <a:rPr lang="en-US" dirty="0"/>
-              <a:t> repository. Access to processed data can only be attained by </a:t>
-            </a:r>
-            <a:r>
-              <a:rPr lang="en-US" dirty="0" smtClean="0"/>
-              <a:t>authorized Group</a:t>
-            </a:r>
-            <a:r>
-              <a:rPr lang="en-US" dirty="0"/>
-              <a:t> </a:t>
-            </a:r>
-            <a:r>
-              <a:rPr lang="en-US" dirty="0" smtClean="0"/>
-              <a:t>5 </a:t>
-            </a:r>
-            <a:r>
-              <a:rPr lang="en-US" dirty="0"/>
-              <a:t>members via their </a:t>
-            </a:r>
-            <a:r>
-              <a:rPr lang="en-US" dirty="0" err="1"/>
-              <a:t>GitHub</a:t>
-            </a:r>
-            <a:r>
-              <a:rPr lang="en-US" dirty="0"/>
-              <a:t> accounts.</a:t>
-            </a:r>
-          </a:p>
-          <a:p>
-            <a:endParaRPr lang="en-US" dirty="0"/>
-          </a:p>
-          <a:p>
-            <a:r>
-              <a:rPr lang="en-US" dirty="0" smtClean="0"/>
-              <a:t>Data </a:t>
-            </a:r>
-            <a:r>
-              <a:rPr lang="en-US" dirty="0"/>
-              <a:t>Ownership:</a:t>
-            </a:r>
-          </a:p>
-          <a:p>
-            <a:r>
-              <a:rPr lang="en-US" dirty="0" smtClean="0"/>
-              <a:t>NYC </a:t>
-            </a:r>
-            <a:r>
-              <a:rPr lang="en-US" dirty="0"/>
-              <a:t>TLC data has strictly noted that their data collected is not used, sold, or exchanged for</a:t>
-            </a:r>
-          </a:p>
-          <a:p>
-            <a:r>
-              <a:rPr lang="en-US" dirty="0"/>
-              <a:t>commercial or marketing purposes. Data is automatically collected and quality assured by </a:t>
-            </a:r>
-            <a:r>
-              <a:rPr lang="en-US" dirty="0" smtClean="0"/>
-              <a:t>the NYS </a:t>
-            </a:r>
-            <a:r>
-              <a:rPr lang="en-US" dirty="0"/>
-              <a:t>government. The Weather Company is operated under IBM with little to no restrictions </a:t>
-            </a:r>
-            <a:r>
-              <a:rPr lang="en-US" dirty="0" smtClean="0"/>
-              <a:t>on access </a:t>
-            </a:r>
-            <a:r>
-              <a:rPr lang="en-US" dirty="0"/>
-              <a:t>to their data. Data is automatically collected and quality managed from weather </a:t>
-            </a:r>
-            <a:r>
-              <a:rPr lang="en-US" dirty="0" smtClean="0"/>
-              <a:t>devices and </a:t>
-            </a:r>
-            <a:r>
-              <a:rPr lang="en-US" dirty="0"/>
-              <a:t>applications used by IBM.</a:t>
-            </a:r>
-          </a:p>
-          <a:p>
-            <a:endParaRPr lang="en-US" dirty="0"/>
-          </a:p>
-          <a:p>
-            <a:r>
-              <a:rPr lang="en-US" dirty="0" smtClean="0"/>
-              <a:t>Metadata</a:t>
-            </a:r>
-            <a:r>
-              <a:rPr lang="en-US" dirty="0"/>
-              <a:t>:</a:t>
-            </a:r>
-          </a:p>
-          <a:p>
-            <a:r>
-              <a:rPr lang="en-US" dirty="0"/>
-              <a:t>Metadata for each dataset were noted </a:t>
-            </a:r>
-            <a:r>
-              <a:rPr lang="en-US" dirty="0" smtClean="0"/>
-              <a:t>within </a:t>
-            </a:r>
-            <a:r>
-              <a:rPr lang="en-US" dirty="0" err="1"/>
-              <a:t>metadata.json</a:t>
-            </a:r>
-            <a:r>
-              <a:rPr lang="en-US" dirty="0"/>
-              <a:t>. Each </a:t>
-            </a:r>
-            <a:r>
-              <a:rPr lang="en-US" dirty="0" smtClean="0"/>
-              <a:t>file </a:t>
-            </a:r>
-            <a:r>
-              <a:rPr lang="en-US" dirty="0"/>
-              <a:t>was provided</a:t>
-            </a:r>
-          </a:p>
-          <a:p>
-            <a:r>
-              <a:rPr lang="en-US" dirty="0"/>
-              <a:t>a description identifying where the data was obtained from and what processes had been </a:t>
-            </a:r>
-            <a:r>
-              <a:rPr lang="en-US" dirty="0" smtClean="0"/>
-              <a:t>taken to refine </a:t>
-            </a:r>
-            <a:r>
-              <a:rPr lang="en-US" dirty="0"/>
-              <a:t>them and a </a:t>
-            </a:r>
-            <a:r>
-              <a:rPr lang="en-US" dirty="0" smtClean="0"/>
-              <a:t>field’s </a:t>
-            </a:r>
-            <a:r>
-              <a:rPr lang="en-US" dirty="0"/>
-              <a:t>section noting the column names and appropriate </a:t>
-            </a:r>
-            <a:r>
-              <a:rPr lang="en-US" dirty="0" smtClean="0"/>
-              <a:t>definitions.</a:t>
+              <a:t> repository. </a:t>
             </a:r>
             <a:endParaRPr lang="en-US" dirty="0"/>
           </a:p>
@@ -11516,7 +11321,7 @@
     </p:spTree>
     <p:extLst>
       <p:ext uri="{BB962C8B-B14F-4D97-AF65-F5344CB8AC3E}">
-        <p14:creationId xmlns:p14="http://schemas.microsoft.com/office/powerpoint/2010/main" val="3659274590"/>
+        <p14:creationId xmlns:p14="http://schemas.microsoft.com/office/powerpoint/2010/main" val="327823102"/>
       </p:ext>
     </p:extLst>
   </p:cSld>
@@ -11610,6 +11415,259 @@
         </p:nvSpPr>
         <p:spPr>
           <a:xfrm>
+            <a:off x="228600" y="609600"/>
+            <a:ext cx="8763000" cy="5355312"/>
+          </a:xfrm>
+          <a:prstGeom prst="rect">
+            <a:avLst/>
+          </a:prstGeom>
+          <a:noFill/>
+        </p:spPr>
+        <p:txBody>
+          <a:bodyPr wrap="square" rtlCol="0">
+            <a:spAutoFit/>
+          </a:bodyPr>
+          <a:lstStyle/>
+          <a:p>
+            <a:r>
+              <a:rPr lang="en-US" dirty="0"/>
+              <a:t>Security:</a:t>
+            </a:r>
+          </a:p>
+          <a:p>
+            <a:r>
+              <a:rPr lang="en-US" dirty="0"/>
+              <a:t>Datasets were managed and maintained by outside vendors, more </a:t>
+            </a:r>
+            <a:r>
+              <a:rPr lang="en-US" dirty="0" err="1"/>
+              <a:t>specically</a:t>
+            </a:r>
+            <a:r>
+              <a:rPr lang="en-US" dirty="0"/>
+              <a:t>, NYC TLC and</a:t>
+            </a:r>
+          </a:p>
+          <a:p>
+            <a:r>
+              <a:rPr lang="en-US" dirty="0"/>
+              <a:t>The Weather Company. Data is secured and changed on the NYC government and IBM </a:t>
+            </a:r>
+            <a:r>
+              <a:rPr lang="en-US" dirty="0" smtClean="0"/>
+              <a:t>servers, respectively</a:t>
+            </a:r>
+            <a:r>
+              <a:rPr lang="en-US" dirty="0"/>
+              <a:t>. Data were acquired through an export tool which was processed and stored </a:t>
+            </a:r>
+            <a:r>
+              <a:rPr lang="en-US" dirty="0" smtClean="0"/>
+              <a:t>in a</a:t>
+            </a:r>
+            <a:r>
+              <a:rPr lang="en-US" dirty="0"/>
+              <a:t> </a:t>
+            </a:r>
+            <a:r>
+              <a:rPr lang="en-US" dirty="0" smtClean="0"/>
+              <a:t>secured </a:t>
+            </a:r>
+            <a:r>
+              <a:rPr lang="en-US" dirty="0" err="1"/>
+              <a:t>GitHub</a:t>
+            </a:r>
+            <a:r>
+              <a:rPr lang="en-US" dirty="0"/>
+              <a:t> repository. Access to processed data can only be attained by </a:t>
+            </a:r>
+            <a:r>
+              <a:rPr lang="en-US" dirty="0" smtClean="0"/>
+              <a:t>authorized Group</a:t>
+            </a:r>
+            <a:r>
+              <a:rPr lang="en-US" dirty="0"/>
+              <a:t> </a:t>
+            </a:r>
+            <a:r>
+              <a:rPr lang="en-US" dirty="0" smtClean="0"/>
+              <a:t>5 </a:t>
+            </a:r>
+            <a:r>
+              <a:rPr lang="en-US" dirty="0"/>
+              <a:t>members via their </a:t>
+            </a:r>
+            <a:r>
+              <a:rPr lang="en-US" dirty="0" err="1"/>
+              <a:t>GitHub</a:t>
+            </a:r>
+            <a:r>
+              <a:rPr lang="en-US" dirty="0"/>
+              <a:t> accounts.</a:t>
+            </a:r>
+          </a:p>
+          <a:p>
+            <a:endParaRPr lang="en-US" dirty="0"/>
+          </a:p>
+          <a:p>
+            <a:r>
+              <a:rPr lang="en-US" dirty="0" smtClean="0"/>
+              <a:t>Data </a:t>
+            </a:r>
+            <a:r>
+              <a:rPr lang="en-US" dirty="0"/>
+              <a:t>Ownership:</a:t>
+            </a:r>
+          </a:p>
+          <a:p>
+            <a:r>
+              <a:rPr lang="en-US" dirty="0" smtClean="0"/>
+              <a:t>NYC </a:t>
+            </a:r>
+            <a:r>
+              <a:rPr lang="en-US" dirty="0"/>
+              <a:t>TLC data has strictly noted that their data collected is not used, sold, or exchanged for</a:t>
+            </a:r>
+          </a:p>
+          <a:p>
+            <a:r>
+              <a:rPr lang="en-US" dirty="0"/>
+              <a:t>commercial or marketing purposes. Data is automatically collected and quality assured by </a:t>
+            </a:r>
+            <a:r>
+              <a:rPr lang="en-US" dirty="0" smtClean="0"/>
+              <a:t>the NYS </a:t>
+            </a:r>
+            <a:r>
+              <a:rPr lang="en-US" dirty="0"/>
+              <a:t>government. The Weather Company is operated under IBM with little to no restrictions </a:t>
+            </a:r>
+            <a:r>
+              <a:rPr lang="en-US" dirty="0" smtClean="0"/>
+              <a:t>on access </a:t>
+            </a:r>
+            <a:r>
+              <a:rPr lang="en-US" dirty="0"/>
+              <a:t>to their data. Data is automatically collected and quality managed from weather </a:t>
+            </a:r>
+            <a:r>
+              <a:rPr lang="en-US" dirty="0" smtClean="0"/>
+              <a:t>devices and </a:t>
+            </a:r>
+            <a:r>
+              <a:rPr lang="en-US" dirty="0"/>
+              <a:t>applications used by IBM.</a:t>
+            </a:r>
+          </a:p>
+          <a:p>
+            <a:endParaRPr lang="en-US" dirty="0"/>
+          </a:p>
+          <a:p>
+            <a:r>
+              <a:rPr lang="en-US" dirty="0" smtClean="0"/>
+              <a:t>Metadata</a:t>
+            </a:r>
+            <a:r>
+              <a:rPr lang="en-US" dirty="0"/>
+              <a:t>:</a:t>
+            </a:r>
+          </a:p>
+          <a:p>
+            <a:r>
+              <a:rPr lang="en-US" dirty="0"/>
+              <a:t>Metadata for each dataset were noted </a:t>
+            </a:r>
+            <a:r>
+              <a:rPr lang="en-US" dirty="0" smtClean="0"/>
+              <a:t>within </a:t>
+            </a:r>
+            <a:r>
+              <a:rPr lang="en-US" dirty="0" err="1"/>
+              <a:t>metadata.json</a:t>
+            </a:r>
+            <a:r>
+              <a:rPr lang="en-US" dirty="0"/>
+              <a:t>. Each </a:t>
+            </a:r>
+            <a:r>
+              <a:rPr lang="en-US" dirty="0" smtClean="0"/>
+              <a:t>file </a:t>
+            </a:r>
+            <a:r>
+              <a:rPr lang="en-US" dirty="0"/>
+              <a:t>was provided</a:t>
+            </a:r>
+          </a:p>
+          <a:p>
+            <a:r>
+              <a:rPr lang="en-US" dirty="0"/>
+              <a:t>a description identifying where the data was obtained from and what processes had been </a:t>
+            </a:r>
+            <a:r>
+              <a:rPr lang="en-US" dirty="0" smtClean="0"/>
+              <a:t>taken to refine </a:t>
+            </a:r>
+            <a:r>
+              <a:rPr lang="en-US" dirty="0"/>
+              <a:t>them and a </a:t>
+            </a:r>
+            <a:r>
+              <a:rPr lang="en-US" dirty="0" smtClean="0"/>
+              <a:t>field’s </a:t>
+            </a:r>
+            <a:r>
+              <a:rPr lang="en-US" dirty="0"/>
+              <a:t>section noting the column names and appropriate </a:t>
+            </a:r>
+            <a:r>
+              <a:rPr lang="en-US" dirty="0" smtClean="0"/>
+              <a:t>definitions.</a:t>
+            </a:r>
+            <a:endParaRPr lang="en-US" dirty="0"/>
+          </a:p>
+        </p:txBody>
+      </p:sp>
+    </p:spTree>
+    <p:extLst>
+      <p:ext uri="{BB962C8B-B14F-4D97-AF65-F5344CB8AC3E}">
+        <p14:creationId xmlns:p14="http://schemas.microsoft.com/office/powerpoint/2010/main" val="3659274590"/>
+      </p:ext>
+    </p:extLst>
+  </p:cSld>
+  <p:clrMapOvr>
+    <a:masterClrMapping/>
+  </p:clrMapOvr>
+  <p:transition>
+    <p:fade/>
+  </p:transition>
+</p:sld>
+</file>
+
+<file path=ppt/slides/slide21.xml><?xml version="1.0" encoding="utf-8"?>
+<p:sld xmlns:a="http://schemas.openxmlformats.org/drawingml/2006/main" xmlns:r="http://schemas.openxmlformats.org/officeDocument/2006/relationships" xmlns:p="http://schemas.openxmlformats.org/presentationml/2006/main">
+  <p:cSld>
+    <p:spTree>
+      <p:nvGrpSpPr>
+        <p:cNvPr id="1" name=""/>
+        <p:cNvGrpSpPr/>
+        <p:nvPr/>
+      </p:nvGrpSpPr>
+      <p:grpSpPr>
+        <a:xfrm>
+          <a:off x="0" y="0"/>
+          <a:ext cx="0" cy="0"/>
+          <a:chOff x="0" y="0"/>
+          <a:chExt cx="0" cy="0"/>
+        </a:xfrm>
+      </p:grpSpPr>
+      <p:sp>
+        <p:nvSpPr>
+          <p:cNvPr id="4" name="TextBox 3"/>
+          <p:cNvSpPr txBox="1"/>
+          <p:nvPr/>
+        </p:nvSpPr>
+        <p:spPr>
+          <a:xfrm>
             <a:off x="685800" y="533400"/>
             <a:ext cx="8305800" cy="5355312"/>
           </a:xfrm>
@@ -11836,7 +11894,7 @@
 </p:sld>
 </file>
 
-<file path=ppt/slides/slide21.xml><?xml version="1.0" encoding="utf-8"?>
+<file path=ppt/slides/slide22.xml><?xml version="1.0" encoding="utf-8"?>
 <p:sld xmlns:a="http://schemas.openxmlformats.org/drawingml/2006/main" xmlns:r="http://schemas.openxmlformats.org/officeDocument/2006/relationships" xmlns:p="http://schemas.openxmlformats.org/presentationml/2006/main">
   <p:cSld>
     <p:spTree>
@@ -11929,11 +11987,7 @@
             </a:pPr>
             <a:r>
               <a:rPr lang="en-US" sz="2400" dirty="0" smtClean="0"/>
-              <a:t>Start research broad, then go </a:t>
-            </a:r>
-            <a:r>
-              <a:rPr lang="en-US" sz="2400" smtClean="0"/>
-              <a:t>to specifics.</a:t>
+              <a:t>Start research broad, then go to specifics.</a:t>
             </a:r>
           </a:p>
           <a:p>

--- a/powerpoint/presentation.pptx
+++ b/powerpoint/presentation.pptx
@@ -12071,7 +12071,7 @@
         </p:nvSpPr>
         <p:spPr>
           <a:xfrm>
-            <a:off x="1524000" y="2438400"/>
+            <a:off x="1143000" y="1752600"/>
             <a:ext cx="6858000" cy="3785652"/>
           </a:xfrm>
           <a:prstGeom prst="rect">
@@ -12790,16 +12790,16 @@
               <a:buChar char="•"/>
             </a:pPr>
             <a:r>
+              <a:rPr lang="en-US" sz="2400"/>
+              <a:t>I</a:t>
+            </a:r>
+            <a:r>
+              <a:rPr lang="en-US" sz="2400" smtClean="0"/>
+              <a:t>ndividual </a:t>
+            </a:r>
+            <a:r>
               <a:rPr lang="en-US" sz="2400" dirty="0"/>
-              <a:t>T</a:t>
-            </a:r>
-            <a:r>
-              <a:rPr lang="en-US" sz="2400" dirty="0" smtClean="0"/>
-              <a:t>he </a:t>
-            </a:r>
-            <a:r>
-              <a:rPr lang="en-US" sz="2400" dirty="0"/>
-              <a:t>unwieldy individual taxi trip data </a:t>
+              <a:t>taxi trip data </a:t>
             </a:r>
             <a:r>
               <a:rPr lang="en-US" sz="2400" dirty="0" smtClean="0"/>
